--- a/PPT/第6周小班作业.pptx
+++ b/PPT/第6周小班作业.pptx
@@ -223,7 +223,7 @@
           <a:p>
             <a:fld id="{F901EC62-571E-4E75-B13B-EBFFF22BF47C}" type="datetimeFigureOut">
               <a:rPr lang="zh-CN" altLang="en-US" smtClean="0"/>
-              <a:t>2021/4/9</a:t>
+              <a:t>2021/4/16</a:t>
             </a:fld>
             <a:endParaRPr lang="zh-CN" altLang="en-US"/>
           </a:p>
@@ -1297,7 +1297,7 @@
             <a:fld id="{B61BEF0D-F0BB-DE4B-95CE-6DB70DBA9567}" type="datetimeFigureOut">
               <a:rPr lang="en-US" dirty="0"/>
               <a:pPr/>
-              <a:t>4/9/2021</a:t>
+              <a:t>4/16/2021</a:t>
             </a:fld>
             <a:endParaRPr lang="en-US" dirty="0"/>
           </a:p>
@@ -1545,7 +1545,7 @@
             <a:fld id="{B61BEF0D-F0BB-DE4B-95CE-6DB70DBA9567}" type="datetimeFigureOut">
               <a:rPr lang="en-US" dirty="0"/>
               <a:pPr/>
-              <a:t>4/9/2021</a:t>
+              <a:t>4/16/2021</a:t>
             </a:fld>
             <a:endParaRPr lang="en-US" dirty="0"/>
           </a:p>
@@ -1856,7 +1856,7 @@
             <a:fld id="{B61BEF0D-F0BB-DE4B-95CE-6DB70DBA9567}" type="datetimeFigureOut">
               <a:rPr lang="en-US" dirty="0"/>
               <a:pPr/>
-              <a:t>4/9/2021</a:t>
+              <a:t>4/16/2021</a:t>
             </a:fld>
             <a:endParaRPr lang="en-US" dirty="0"/>
           </a:p>
@@ -2194,7 +2194,7 @@
             <a:fld id="{B61BEF0D-F0BB-DE4B-95CE-6DB70DBA9567}" type="datetimeFigureOut">
               <a:rPr lang="en-US" dirty="0"/>
               <a:pPr/>
-              <a:t>4/9/2021</a:t>
+              <a:t>4/16/2021</a:t>
             </a:fld>
             <a:endParaRPr lang="en-US" dirty="0"/>
           </a:p>
@@ -2505,7 +2505,7 @@
             <a:fld id="{B61BEF0D-F0BB-DE4B-95CE-6DB70DBA9567}" type="datetimeFigureOut">
               <a:rPr lang="en-US" dirty="0"/>
               <a:pPr/>
-              <a:t>4/9/2021</a:t>
+              <a:t>4/16/2021</a:t>
             </a:fld>
             <a:endParaRPr lang="en-US" dirty="0"/>
           </a:p>
@@ -2895,7 +2895,7 @@
             <a:fld id="{B61BEF0D-F0BB-DE4B-95CE-6DB70DBA9567}" type="datetimeFigureOut">
               <a:rPr lang="en-US" dirty="0"/>
               <a:pPr/>
-              <a:t>4/9/2021</a:t>
+              <a:t>4/16/2021</a:t>
             </a:fld>
             <a:endParaRPr lang="en-US" dirty="0"/>
           </a:p>
@@ -3061,7 +3061,7 @@
           <a:p>
             <a:fld id="{55C6B4A9-1611-4792-9094-5F34BCA07E0B}" type="datetimeFigureOut">
               <a:rPr lang="en-US" dirty="0"/>
-              <a:t>4/9/2021</a:t>
+              <a:t>4/16/2021</a:t>
             </a:fld>
             <a:endParaRPr lang="en-US" dirty="0"/>
           </a:p>
@@ -3237,7 +3237,7 @@
             <a:fld id="{B61BEF0D-F0BB-DE4B-95CE-6DB70DBA9567}" type="datetimeFigureOut">
               <a:rPr lang="en-US" dirty="0"/>
               <a:pPr/>
-              <a:t>4/9/2021</a:t>
+              <a:t>4/16/2021</a:t>
             </a:fld>
             <a:endParaRPr lang="en-US" dirty="0"/>
           </a:p>
@@ -3410,7 +3410,7 @@
             <a:fld id="{B61BEF0D-F0BB-DE4B-95CE-6DB70DBA9567}" type="datetimeFigureOut">
               <a:rPr lang="en-US" dirty="0"/>
               <a:pPr/>
-              <a:t>4/9/2021</a:t>
+              <a:t>4/16/2021</a:t>
             </a:fld>
             <a:endParaRPr lang="en-US" dirty="0"/>
           </a:p>
@@ -3654,7 +3654,7 @@
             <a:fld id="{B61BEF0D-F0BB-DE4B-95CE-6DB70DBA9567}" type="datetimeFigureOut">
               <a:rPr lang="en-US" dirty="0"/>
               <a:pPr/>
-              <a:t>4/9/2021</a:t>
+              <a:t>4/16/2021</a:t>
             </a:fld>
             <a:endParaRPr lang="en-US" dirty="0"/>
           </a:p>
@@ -3882,7 +3882,7 @@
           <a:p>
             <a:fld id="{EB712588-04B1-427B-82EE-E8DB90309F08}" type="datetimeFigureOut">
               <a:rPr lang="en-US" dirty="0"/>
-              <a:t>4/9/2021</a:t>
+              <a:t>4/16/2021</a:t>
             </a:fld>
             <a:endParaRPr lang="en-US" dirty="0"/>
           </a:p>
@@ -4252,7 +4252,7 @@
             <a:fld id="{B61BEF0D-F0BB-DE4B-95CE-6DB70DBA9567}" type="datetimeFigureOut">
               <a:rPr lang="en-US" dirty="0"/>
               <a:pPr/>
-              <a:t>4/9/2021</a:t>
+              <a:t>4/16/2021</a:t>
             </a:fld>
             <a:endParaRPr lang="en-US" dirty="0"/>
           </a:p>
@@ -4372,7 +4372,7 @@
             <a:fld id="{B61BEF0D-F0BB-DE4B-95CE-6DB70DBA9567}" type="datetimeFigureOut">
               <a:rPr lang="en-US" dirty="0"/>
               <a:pPr/>
-              <a:t>4/9/2021</a:t>
+              <a:t>4/16/2021</a:t>
             </a:fld>
             <a:endParaRPr lang="en-US" dirty="0"/>
           </a:p>
@@ -4464,7 +4464,7 @@
             <a:fld id="{B61BEF0D-F0BB-DE4B-95CE-6DB70DBA9567}" type="datetimeFigureOut">
               <a:rPr lang="en-US" dirty="0"/>
               <a:pPr/>
-              <a:t>4/9/2021</a:t>
+              <a:t>4/16/2021</a:t>
             </a:fld>
             <a:endParaRPr lang="en-US" dirty="0"/>
           </a:p>
@@ -4715,7 +4715,7 @@
           <a:p>
             <a:fld id="{42A54C80-263E-416B-A8E0-580EDEADCBDC}" type="datetimeFigureOut">
               <a:rPr lang="en-US" dirty="0"/>
-              <a:t>4/9/2021</a:t>
+              <a:t>4/16/2021</a:t>
             </a:fld>
             <a:endParaRPr lang="en-US" dirty="0"/>
           </a:p>
@@ -4974,7 +4974,7 @@
             <a:fld id="{B61BEF0D-F0BB-DE4B-95CE-6DB70DBA9567}" type="datetimeFigureOut">
               <a:rPr lang="en-US" dirty="0"/>
               <a:pPr/>
-              <a:t>4/9/2021</a:t>
+              <a:t>4/16/2021</a:t>
             </a:fld>
             <a:endParaRPr lang="en-US" dirty="0"/>
           </a:p>
@@ -5714,7 +5714,7 @@
             <a:fld id="{B61BEF0D-F0BB-DE4B-95CE-6DB70DBA9567}" type="datetimeFigureOut">
               <a:rPr lang="en-US" dirty="0"/>
               <a:pPr/>
-              <a:t>4/9/2021</a:t>
+              <a:t>4/16/2021</a:t>
             </a:fld>
             <a:endParaRPr lang="en-US" dirty="0"/>
           </a:p>
